--- a/class1/group07/Class1.pptx
+++ b/class1/group07/Class1.pptx
@@ -257,6 +257,11 @@
       </a:defRPr>
     </a:lvl9pPr>
   </p:defaultTextStyle>
+  <p:extLst>
+    <p:ext uri="{EFAFB233-063F-42B5-8137-9DF3F51BA10A}">
+      <p15:sldGuideLst xmlns:p15="http://schemas.microsoft.com/office/powerpoint/2012/main"/>
+    </p:ext>
+  </p:extLst>
 </p:presentation>
 </file>
 
@@ -897,7 +902,11 @@
               </a:spcAft>
               <a:buNone/>
             </a:pPr>
-            <a:endParaRPr/>
+            <a:r>
+              <a:rPr lang="en-US" altLang="zh-CN" dirty="0"/>
+              <a:t>Hash tag on Twitter, Hottest on Spotify</a:t>
+            </a:r>
+            <a:endParaRPr dirty="0"/>
           </a:p>
         </p:txBody>
       </p:sp>
@@ -1001,7 +1010,11 @@
               </a:spcAft>
               <a:buNone/>
             </a:pPr>
-            <a:endParaRPr/>
+            <a:r>
+              <a:rPr lang="en-US" dirty="0"/>
+              <a:t>With this engine, we could enhance the possibility of acceptance on the recommended items. Like, as a customer, I place my order on the recommended item below what I was exploring together. The benefit could be either getting higher customer satisfactory or getting higher income.</a:t>
+            </a:r>
+            <a:endParaRPr dirty="0"/>
           </a:p>
         </p:txBody>
       </p:sp>
@@ -1110,7 +1123,26 @@
               </a:spcAft>
               <a:buNone/>
             </a:pPr>
-            <a:endParaRPr/>
+            <a:r>
+              <a:rPr lang="en-US" dirty="0"/>
+              <a:t>Item with higher popularity has higher possibility of acceptance. This is a rule of thumb not only for the digital marketing, traditional marking has been utilized it for really long time.</a:t>
+            </a:r>
+          </a:p>
+          <a:p>
+            <a:pPr marL="0" lvl="0" indent="0" algn="l" rtl="0">
+              <a:spcBef>
+                <a:spcPts val="0"/>
+              </a:spcBef>
+              <a:spcAft>
+                <a:spcPts val="0"/>
+              </a:spcAft>
+              <a:buNone/>
+            </a:pPr>
+            <a:r>
+              <a:rPr lang="en-US" dirty="0"/>
+              <a:t>It’s won’t surprise that you assume the restaurant has a long waiting line is a good place to go.</a:t>
+            </a:r>
+            <a:endParaRPr dirty="0"/>
           </a:p>
         </p:txBody>
       </p:sp>
@@ -1214,7 +1246,11 @@
               </a:spcAft>
               <a:buNone/>
             </a:pPr>
-            <a:endParaRPr/>
+            <a:r>
+              <a:rPr lang="en-US" dirty="0"/>
+              <a:t>Simple and straight forward is another characteristic of popularity. That’s why traditional marking could use even without the computational power as today. With this character, we could implement this kind of engine easier, it’s won’t hard to explain to your business customer, right?</a:t>
+            </a:r>
+            <a:endParaRPr dirty="0"/>
           </a:p>
         </p:txBody>
       </p:sp>
@@ -1323,7 +1359,11 @@
               </a:spcAft>
               <a:buNone/>
             </a:pPr>
-            <a:endParaRPr/>
+            <a:r>
+              <a:rPr lang="en-US" dirty="0"/>
+              <a:t>I would take this character of popularity as the most important. No matter how fancy your engine or algorithm is, it’s built on popularity. Among the ocean of item on Amazon market, how could you notice one? It must won some attention, has popularity. Only when it purchased by a certain volume of customer, we could get the dimensions of its customers to analysis. Those customers characteristics and interrelationships are available for engines to built with. Or we could say, popularity give us more samples to lead us to the truly truth.</a:t>
+            </a:r>
+            <a:endParaRPr dirty="0"/>
           </a:p>
         </p:txBody>
       </p:sp>
@@ -1432,7 +1472,11 @@
               </a:spcAft>
               <a:buNone/>
             </a:pPr>
-            <a:endParaRPr/>
+            <a:r>
+              <a:rPr lang="en-US" dirty="0"/>
+              <a:t>The last but not the least, we have special scenario that we are lacking of customer profile. For example, a new customer. What should we suggest? Popularity engine is the best choice.</a:t>
+            </a:r>
+            <a:endParaRPr dirty="0"/>
           </a:p>
         </p:txBody>
       </p:sp>
@@ -24204,7 +24248,7 @@
             </a:pPr>
             <a:r>
               <a:rPr lang="en-US" dirty="0"/>
-              <a:t>SPECIAL SENARIO</a:t>
+              <a:t>SPECIAL SCENARIO</a:t>
             </a:r>
             <a:endParaRPr dirty="0"/>
           </a:p>

--- a/class1/group07/Class1.pptx
+++ b/class1/group07/Class1.pptx
@@ -1125,7 +1125,15 @@
             </a:pPr>
             <a:r>
               <a:rPr lang="en-US" dirty="0"/>
-              <a:t>Item with higher popularity has higher possibility of acceptance. This is a rule of thumb not only for the digital marketing, traditional marking has been utilized it for really long time.</a:t>
+              <a:t>Item with higher popularity has higher possibility of acceptance. This is a rule of thumb not only for the digital marketing, traditional mark</a:t>
+            </a:r>
+            <a:r>
+              <a:rPr lang="en-US" altLang="zh-CN" dirty="0"/>
+              <a:t>et</a:t>
+            </a:r>
+            <a:r>
+              <a:rPr lang="en-US" dirty="0"/>
+              <a:t>ing has been utilized it for really long time.</a:t>
             </a:r>
           </a:p>
           <a:p>
@@ -1361,7 +1369,7 @@
             </a:pPr>
             <a:r>
               <a:rPr lang="en-US" dirty="0"/>
-              <a:t>I would take this character of popularity as the most important. No matter how fancy your engine or algorithm is, it’s built on popularity. Among the ocean of item on Amazon market, how could you notice one? It must won some attention, has popularity. Only when it purchased by a certain volume of customer, we could get the dimensions of its customers to analysis. Those customers characteristics and interrelationships are available for engines to built with. Or we could say, popularity give us more samples to lead us to the truly truth.</a:t>
+              <a:t>I would take this character of popularity as the most important. No matter how fancy your engine or algorithm is, it’s built on popularity. Among the ocean of items on Amazon market, how could you notice one? It must won some attention, has popularity. Only when it purchased by a certain volume of customer, we could get the dimensions of its customers to analysis. Those customers characteristics and interrelationships are available for engines to built with. Or we could say, popularity give us more samples to lead us to the truly truth.</a:t>
             </a:r>
             <a:endParaRPr dirty="0"/>
           </a:p>
